--- a/바이온사이트 과제프로젝트.pptx
+++ b/바이온사이트 과제프로젝트.pptx
@@ -3198,6 +3198,30 @@
                 </a:solidFill>
               </a:rPr>
               <a:t>예측</a:t>
+            </a:r>
+            <a:r>
+              <a:rPr lang="en-US" sz="2400" b="1" dirty="0">
+                <a:solidFill>
+                  <a:srgbClr val="FFFFFF"/>
+                </a:solidFill>
+              </a:rPr>
+              <a:t>(</a:t>
+            </a:r>
+            <a:r>
+              <a:rPr lang="ko-KR" altLang="en-US" sz="2400" b="1" dirty="0">
+                <a:solidFill>
+                  <a:srgbClr val="FFFFFF"/>
+                </a:solidFill>
+              </a:rPr>
+              <a:t>분류모델</a:t>
+            </a:r>
+            <a:r>
+              <a:rPr lang="en-US" altLang="ko-KR" sz="2400" b="1" dirty="0">
+                <a:solidFill>
+                  <a:srgbClr val="FFFFFF"/>
+                </a:solidFill>
+              </a:rPr>
+              <a:t>)</a:t>
             </a:r>
             <a:endParaRPr sz="2400" b="1" dirty="0">
               <a:solidFill>
